--- a/DEMO.pptx
+++ b/DEMO.pptx
@@ -295,7 +295,8 @@
           <a:p>
             <a:fld id="{8D49604E-8ABA-48D8-AD56-3FC706C806F9}" type="datetimeFigureOut">
               <a:rPr lang="zh-TW" altLang="en-US" smtClean="0"/>
-              <a:t>2015/1/7</a:t>
+              <a:pPr/>
+              <a:t>2015/1/8</a:t>
             </a:fld>
             <a:endParaRPr lang="zh-TW" altLang="en-US"/>
           </a:p>
@@ -337,6 +338,7 @@
           <a:p>
             <a:fld id="{6CF7ED8B-EC4B-4E7B-88CC-979A6F143585}" type="slidenum">
               <a:rPr lang="zh-TW" altLang="en-US" smtClean="0"/>
+              <a:pPr/>
               <a:t>‹#›</a:t>
             </a:fld>
             <a:endParaRPr lang="zh-TW" altLang="en-US"/>
@@ -460,7 +462,8 @@
           <a:p>
             <a:fld id="{8D49604E-8ABA-48D8-AD56-3FC706C806F9}" type="datetimeFigureOut">
               <a:rPr lang="zh-TW" altLang="en-US" smtClean="0"/>
-              <a:t>2015/1/7</a:t>
+              <a:pPr/>
+              <a:t>2015/1/8</a:t>
             </a:fld>
             <a:endParaRPr lang="zh-TW" altLang="en-US"/>
           </a:p>
@@ -502,6 +505,7 @@
           <a:p>
             <a:fld id="{6CF7ED8B-EC4B-4E7B-88CC-979A6F143585}" type="slidenum">
               <a:rPr lang="zh-TW" altLang="en-US" smtClean="0"/>
+              <a:pPr/>
               <a:t>‹#›</a:t>
             </a:fld>
             <a:endParaRPr lang="zh-TW" altLang="en-US"/>
@@ -635,7 +639,8 @@
           <a:p>
             <a:fld id="{8D49604E-8ABA-48D8-AD56-3FC706C806F9}" type="datetimeFigureOut">
               <a:rPr lang="zh-TW" altLang="en-US" smtClean="0"/>
-              <a:t>2015/1/7</a:t>
+              <a:pPr/>
+              <a:t>2015/1/8</a:t>
             </a:fld>
             <a:endParaRPr lang="zh-TW" altLang="en-US"/>
           </a:p>
@@ -677,6 +682,7 @@
           <a:p>
             <a:fld id="{6CF7ED8B-EC4B-4E7B-88CC-979A6F143585}" type="slidenum">
               <a:rPr lang="zh-TW" altLang="en-US" smtClean="0"/>
+              <a:pPr/>
               <a:t>‹#›</a:t>
             </a:fld>
             <a:endParaRPr lang="zh-TW" altLang="en-US"/>
@@ -800,7 +806,8 @@
           <a:p>
             <a:fld id="{8D49604E-8ABA-48D8-AD56-3FC706C806F9}" type="datetimeFigureOut">
               <a:rPr lang="zh-TW" altLang="en-US" smtClean="0"/>
-              <a:t>2015/1/7</a:t>
+              <a:pPr/>
+              <a:t>2015/1/8</a:t>
             </a:fld>
             <a:endParaRPr lang="zh-TW" altLang="en-US"/>
           </a:p>
@@ -842,6 +849,7 @@
           <a:p>
             <a:fld id="{6CF7ED8B-EC4B-4E7B-88CC-979A6F143585}" type="slidenum">
               <a:rPr lang="zh-TW" altLang="en-US" smtClean="0"/>
+              <a:pPr/>
               <a:t>‹#›</a:t>
             </a:fld>
             <a:endParaRPr lang="zh-TW" altLang="en-US"/>
@@ -1041,7 +1049,8 @@
           <a:p>
             <a:fld id="{8D49604E-8ABA-48D8-AD56-3FC706C806F9}" type="datetimeFigureOut">
               <a:rPr lang="zh-TW" altLang="en-US" smtClean="0"/>
-              <a:t>2015/1/7</a:t>
+              <a:pPr/>
+              <a:t>2015/1/8</a:t>
             </a:fld>
             <a:endParaRPr lang="zh-TW" altLang="en-US"/>
           </a:p>
@@ -1083,6 +1092,7 @@
           <a:p>
             <a:fld id="{6CF7ED8B-EC4B-4E7B-88CC-979A6F143585}" type="slidenum">
               <a:rPr lang="zh-TW" altLang="en-US" smtClean="0"/>
+              <a:pPr/>
               <a:t>‹#›</a:t>
             </a:fld>
             <a:endParaRPr lang="zh-TW" altLang="en-US"/>
@@ -1324,7 +1334,8 @@
           <a:p>
             <a:fld id="{8D49604E-8ABA-48D8-AD56-3FC706C806F9}" type="datetimeFigureOut">
               <a:rPr lang="zh-TW" altLang="en-US" smtClean="0"/>
-              <a:t>2015/1/7</a:t>
+              <a:pPr/>
+              <a:t>2015/1/8</a:t>
             </a:fld>
             <a:endParaRPr lang="zh-TW" altLang="en-US"/>
           </a:p>
@@ -1366,6 +1377,7 @@
           <a:p>
             <a:fld id="{6CF7ED8B-EC4B-4E7B-88CC-979A6F143585}" type="slidenum">
               <a:rPr lang="zh-TW" altLang="en-US" smtClean="0"/>
+              <a:pPr/>
               <a:t>‹#›</a:t>
             </a:fld>
             <a:endParaRPr lang="zh-TW" altLang="en-US"/>
@@ -1741,7 +1753,8 @@
           <a:p>
             <a:fld id="{8D49604E-8ABA-48D8-AD56-3FC706C806F9}" type="datetimeFigureOut">
               <a:rPr lang="zh-TW" altLang="en-US" smtClean="0"/>
-              <a:t>2015/1/7</a:t>
+              <a:pPr/>
+              <a:t>2015/1/8</a:t>
             </a:fld>
             <a:endParaRPr lang="zh-TW" altLang="en-US"/>
           </a:p>
@@ -1783,6 +1796,7 @@
           <a:p>
             <a:fld id="{6CF7ED8B-EC4B-4E7B-88CC-979A6F143585}" type="slidenum">
               <a:rPr lang="zh-TW" altLang="en-US" smtClean="0"/>
+              <a:pPr/>
               <a:t>‹#›</a:t>
             </a:fld>
             <a:endParaRPr lang="zh-TW" altLang="en-US"/>
@@ -1854,7 +1868,8 @@
           <a:p>
             <a:fld id="{8D49604E-8ABA-48D8-AD56-3FC706C806F9}" type="datetimeFigureOut">
               <a:rPr lang="zh-TW" altLang="en-US" smtClean="0"/>
-              <a:t>2015/1/7</a:t>
+              <a:pPr/>
+              <a:t>2015/1/8</a:t>
             </a:fld>
             <a:endParaRPr lang="zh-TW" altLang="en-US"/>
           </a:p>
@@ -1896,6 +1911,7 @@
           <a:p>
             <a:fld id="{6CF7ED8B-EC4B-4E7B-88CC-979A6F143585}" type="slidenum">
               <a:rPr lang="zh-TW" altLang="en-US" smtClean="0"/>
+              <a:pPr/>
               <a:t>‹#›</a:t>
             </a:fld>
             <a:endParaRPr lang="zh-TW" altLang="en-US"/>
@@ -1944,7 +1960,8 @@
           <a:p>
             <a:fld id="{8D49604E-8ABA-48D8-AD56-3FC706C806F9}" type="datetimeFigureOut">
               <a:rPr lang="zh-TW" altLang="en-US" smtClean="0"/>
-              <a:t>2015/1/7</a:t>
+              <a:pPr/>
+              <a:t>2015/1/8</a:t>
             </a:fld>
             <a:endParaRPr lang="zh-TW" altLang="en-US"/>
           </a:p>
@@ -1986,6 +2003,7 @@
           <a:p>
             <a:fld id="{6CF7ED8B-EC4B-4E7B-88CC-979A6F143585}" type="slidenum">
               <a:rPr lang="zh-TW" altLang="en-US" smtClean="0"/>
+              <a:pPr/>
               <a:t>‹#›</a:t>
             </a:fld>
             <a:endParaRPr lang="zh-TW" altLang="en-US"/>
@@ -2216,7 +2234,8 @@
           <a:p>
             <a:fld id="{8D49604E-8ABA-48D8-AD56-3FC706C806F9}" type="datetimeFigureOut">
               <a:rPr lang="zh-TW" altLang="en-US" smtClean="0"/>
-              <a:t>2015/1/7</a:t>
+              <a:pPr/>
+              <a:t>2015/1/8</a:t>
             </a:fld>
             <a:endParaRPr lang="zh-TW" altLang="en-US"/>
           </a:p>
@@ -2258,6 +2277,7 @@
           <a:p>
             <a:fld id="{6CF7ED8B-EC4B-4E7B-88CC-979A6F143585}" type="slidenum">
               <a:rPr lang="zh-TW" altLang="en-US" smtClean="0"/>
+              <a:pPr/>
               <a:t>‹#›</a:t>
             </a:fld>
             <a:endParaRPr lang="zh-TW" altLang="en-US"/>
@@ -2464,7 +2484,8 @@
           <a:p>
             <a:fld id="{8D49604E-8ABA-48D8-AD56-3FC706C806F9}" type="datetimeFigureOut">
               <a:rPr lang="zh-TW" altLang="en-US" smtClean="0"/>
-              <a:t>2015/1/7</a:t>
+              <a:pPr/>
+              <a:t>2015/1/8</a:t>
             </a:fld>
             <a:endParaRPr lang="zh-TW" altLang="en-US"/>
           </a:p>
@@ -2506,6 +2527,7 @@
           <a:p>
             <a:fld id="{6CF7ED8B-EC4B-4E7B-88CC-979A6F143585}" type="slidenum">
               <a:rPr lang="zh-TW" altLang="en-US" smtClean="0"/>
+              <a:pPr/>
               <a:t>‹#›</a:t>
             </a:fld>
             <a:endParaRPr lang="zh-TW" altLang="en-US"/>
@@ -2698,7 +2720,8 @@
           <a:p>
             <a:fld id="{8D49604E-8ABA-48D8-AD56-3FC706C806F9}" type="datetimeFigureOut">
               <a:rPr lang="zh-TW" altLang="en-US" smtClean="0"/>
-              <a:t>2015/1/7</a:t>
+              <a:pPr/>
+              <a:t>2015/1/8</a:t>
             </a:fld>
             <a:endParaRPr lang="zh-TW" altLang="en-US"/>
           </a:p>
@@ -2776,6 +2799,7 @@
           <a:p>
             <a:fld id="{6CF7ED8B-EC4B-4E7B-88CC-979A6F143585}" type="slidenum">
               <a:rPr lang="zh-TW" altLang="en-US" smtClean="0"/>
+              <a:pPr/>
               <a:t>‹#›</a:t>
             </a:fld>
             <a:endParaRPr lang="zh-TW" altLang="en-US"/>
@@ -3289,17 +3313,7 @@
                 <a:latin typeface="文鼎中特標準宋體" pitchFamily="34" charset="-120"/>
                 <a:ea typeface="文鼎中特標準宋體" pitchFamily="34" charset="-120"/>
               </a:rPr>
-              <a:t>江沁</a:t>
-            </a:r>
-            <a:r>
-              <a:rPr lang="zh-TW" altLang="en-US" sz="2400" b="1" dirty="0" smtClean="0">
-                <a:solidFill>
-                  <a:schemeClr val="bg1"/>
-                </a:solidFill>
-                <a:latin typeface="文鼎中特標準宋體" pitchFamily="34" charset="-120"/>
-                <a:ea typeface="文鼎中特標準宋體" pitchFamily="34" charset="-120"/>
-              </a:rPr>
-              <a:t>柔</a:t>
+              <a:t>江沁柔</a:t>
             </a:r>
             <a:endParaRPr lang="en-US" altLang="zh-TW" sz="2400" b="1" dirty="0" smtClean="0">
               <a:solidFill>
@@ -4655,7 +4669,7 @@
         </p:nvSpPr>
         <p:spPr>
           <a:xfrm>
-            <a:off x="5399584" y="620688"/>
+            <a:off x="5399584" y="404664"/>
             <a:ext cx="1476672" cy="1476672"/>
           </a:xfrm>
           <a:prstGeom prst="ellipse">
@@ -4885,8 +4899,8 @@
         </p:nvSpPr>
         <p:spPr>
           <a:xfrm>
-            <a:off x="5724128" y="1196752"/>
-            <a:ext cx="3262432" cy="830997"/>
+            <a:off x="5774064" y="692696"/>
+            <a:ext cx="3262432" cy="1200329"/>
           </a:xfrm>
           <a:prstGeom prst="rect">
             <a:avLst/>
@@ -4901,8 +4915,18 @@
           <a:p>
             <a:r>
               <a:rPr lang="zh-TW" altLang="en-US" sz="2400" b="1" dirty="0" smtClean="0"/>
-              <a:t>關卡開始前ˊ</a:t>
-            </a:r>
+              <a:t>關卡開始後</a:t>
+            </a:r>
+            <a:endParaRPr lang="en-US" altLang="zh-TW" sz="2400" b="1" dirty="0" smtClean="0"/>
+          </a:p>
+          <a:p>
+            <a:r>
+              <a:rPr lang="zh-TW" altLang="en-US" sz="2400" b="1" dirty="0" smtClean="0"/>
+              <a:t>可先觀看全部卡片位置</a:t>
+            </a:r>
+            <a:endParaRPr lang="en-US" altLang="zh-TW" sz="2400" b="1" dirty="0" smtClean="0"/>
+          </a:p>
+          <a:p>
             <a:r>
               <a:rPr lang="en-US" altLang="zh-TW" sz="2400" b="1" dirty="0" smtClean="0"/>
               <a:t>20</a:t>
@@ -4910,13 +4934,6 @@
             <a:r>
               <a:rPr lang="zh-TW" altLang="en-US" sz="2400" b="1" dirty="0" smtClean="0"/>
               <a:t>秒</a:t>
-            </a:r>
-            <a:endParaRPr lang="en-US" altLang="zh-TW" sz="2400" b="1" dirty="0" smtClean="0"/>
-          </a:p>
-          <a:p>
-            <a:r>
-              <a:rPr lang="zh-TW" altLang="en-US" sz="2400" b="1" dirty="0" smtClean="0"/>
-              <a:t>可先觀看全部卡片位置</a:t>
             </a:r>
             <a:endParaRPr lang="en-US" altLang="zh-TW" sz="2400" b="1" dirty="0" smtClean="0"/>
           </a:p>
@@ -5014,11 +5031,7 @@
             </a:r>
             <a:r>
               <a:rPr lang="zh-TW" altLang="en-US" sz="2400" b="1" dirty="0" smtClean="0"/>
-              <a:t>應</a:t>
-            </a:r>
-            <a:r>
-              <a:rPr lang="zh-TW" altLang="en-US" sz="2400" b="1" dirty="0" smtClean="0"/>
-              <a:t>分</a:t>
+              <a:t>應分</a:t>
             </a:r>
             <a:endParaRPr lang="en-US" altLang="zh-TW" sz="2400" b="1" dirty="0" smtClean="0"/>
           </a:p>
